--- a/C++资料包/graph/图3.pptx
+++ b/C++资料包/graph/图3.pptx
@@ -8,13 +8,14 @@
     <p:notesMasterId r:id="rId4"/>
   </p:notesMasterIdLst>
   <p:handoutMasterIdLst>
-    <p:handoutMasterId r:id="rId8"/>
+    <p:handoutMasterId r:id="rId9"/>
   </p:handoutMasterIdLst>
   <p:sldIdLst>
     <p:sldId id="258" r:id="rId3"/>
     <p:sldId id="259" r:id="rId5"/>
     <p:sldId id="256" r:id="rId6"/>
     <p:sldId id="257" r:id="rId7"/>
+    <p:sldId id="262" r:id="rId8"/>
   </p:sldIdLst>
   <p:sldSz cx="12192000" cy="6858000"/>
   <p:notesSz cx="7103745" cy="10234295"/>
@@ -7973,7 +7974,7 @@
         </p:nvGraphicFramePr>
         <p:xfrm>
           <a:off x="5900738" y="1687513"/>
-          <a:ext cx="482600" cy="2299970"/>
+          <a:ext cx="482600" cy="2300286"/>
         </p:xfrm>
         <a:graphic>
           <a:graphicData uri="http://schemas.openxmlformats.org/drawingml/2006/table">
@@ -13907,10 +13908,10 @@
           <a:bodyPr/>
           <a:p>
             <a:r>
-              <a:rPr lang="" altLang="zh-CN"/>
+              <a:rPr lang="en-US" altLang="zh-CN"/>
               <a:t>邻接表</a:t>
             </a:r>
-            <a:endParaRPr lang="" altLang="zh-CN"/>
+            <a:endParaRPr lang="en-US" altLang="zh-CN"/>
           </a:p>
         </p:txBody>
       </p:sp>
@@ -13945,10 +13946,10 @@
                         <a:buNone/>
                       </a:pPr>
                       <a:r>
-                        <a:rPr lang="" altLang="zh-CN"/>
+                        <a:rPr lang="en-US" altLang="zh-CN"/>
                         <a:t>1</a:t>
                       </a:r>
-                      <a:endParaRPr lang="" altLang="zh-CN"/>
+                      <a:endParaRPr lang="en-US" altLang="zh-CN"/>
                     </a:p>
                   </a:txBody>
                   <a:tcPr/>
@@ -13961,10 +13962,10 @@
                         <a:buNone/>
                       </a:pPr>
                       <a:r>
-                        <a:rPr lang="" altLang="zh-CN"/>
+                        <a:rPr lang="en-US" altLang="zh-CN"/>
                         <a:t>2</a:t>
                       </a:r>
-                      <a:endParaRPr lang="" altLang="zh-CN"/>
+                      <a:endParaRPr lang="en-US" altLang="zh-CN"/>
                     </a:p>
                   </a:txBody>
                   <a:tcPr/>
@@ -13977,10 +13978,10 @@
                         <a:buNone/>
                       </a:pPr>
                       <a:r>
-                        <a:rPr lang="" altLang="zh-CN"/>
+                        <a:rPr lang="en-US" altLang="zh-CN"/>
                         <a:t>3</a:t>
                       </a:r>
-                      <a:endParaRPr lang="" altLang="zh-CN"/>
+                      <a:endParaRPr lang="en-US" altLang="zh-CN"/>
                     </a:p>
                   </a:txBody>
                   <a:tcPr/>
@@ -13993,10 +13994,10 @@
                         <a:buNone/>
                       </a:pPr>
                       <a:r>
-                        <a:rPr lang="" altLang="zh-CN"/>
+                        <a:rPr lang="en-US" altLang="zh-CN"/>
                         <a:t>4</a:t>
                       </a:r>
-                      <a:endParaRPr lang="" altLang="zh-CN"/>
+                      <a:endParaRPr lang="en-US" altLang="zh-CN"/>
                     </a:p>
                   </a:txBody>
                   <a:tcPr/>
@@ -14028,10 +14029,10 @@
           </a:bodyPr>
           <a:p>
             <a:r>
-              <a:rPr lang="" altLang="zh-CN"/>
+              <a:rPr lang="en-US" altLang="zh-CN"/>
               <a:t>head</a:t>
             </a:r>
-            <a:endParaRPr lang="" altLang="zh-CN"/>
+            <a:endParaRPr lang="en-US" altLang="zh-CN"/>
           </a:p>
         </p:txBody>
       </p:sp>
@@ -14057,38 +14058,38 @@
           </a:bodyPr>
           <a:p>
             <a:r>
-              <a:rPr lang="" altLang="zh-CN"/>
+              <a:rPr lang="en-US" altLang="zh-CN"/>
               <a:t>4 4</a:t>
             </a:r>
-            <a:endParaRPr lang="" altLang="zh-CN"/>
+            <a:endParaRPr lang="en-US" altLang="zh-CN"/>
           </a:p>
           <a:p>
             <a:r>
-              <a:rPr lang="" altLang="zh-CN"/>
+              <a:rPr lang="en-US" altLang="zh-CN"/>
               <a:t>1 2 1</a:t>
             </a:r>
-            <a:endParaRPr lang="" altLang="zh-CN"/>
+            <a:endParaRPr lang="en-US" altLang="zh-CN"/>
           </a:p>
           <a:p>
             <a:r>
-              <a:rPr lang="" altLang="zh-CN"/>
+              <a:rPr lang="en-US" altLang="zh-CN"/>
               <a:t>1 3 1</a:t>
             </a:r>
-            <a:endParaRPr lang="" altLang="zh-CN"/>
+            <a:endParaRPr lang="en-US" altLang="zh-CN"/>
           </a:p>
           <a:p>
             <a:r>
-              <a:rPr lang="" altLang="zh-CN"/>
+              <a:rPr lang="en-US" altLang="zh-CN"/>
               <a:t>3 4 1</a:t>
             </a:r>
-            <a:endParaRPr lang="" altLang="zh-CN"/>
+            <a:endParaRPr lang="en-US" altLang="zh-CN"/>
           </a:p>
           <a:p>
             <a:r>
-              <a:rPr lang="" altLang="zh-CN"/>
+              <a:rPr lang="en-US" altLang="zh-CN"/>
               <a:t>4 1 1</a:t>
             </a:r>
-            <a:endParaRPr lang="" altLang="zh-CN"/>
+            <a:endParaRPr lang="en-US" altLang="zh-CN"/>
           </a:p>
         </p:txBody>
       </p:sp>
@@ -14114,10 +14115,10 @@
           </a:bodyPr>
           <a:p>
             <a:r>
-              <a:rPr lang="" altLang="zh-CN"/>
+              <a:rPr lang="en-US" altLang="zh-CN"/>
               <a:t>1 2 1</a:t>
             </a:r>
-            <a:endParaRPr lang="" altLang="zh-CN"/>
+            <a:endParaRPr lang="en-US" altLang="zh-CN"/>
           </a:p>
         </p:txBody>
       </p:sp>
@@ -14143,10 +14144,10 @@
           </a:bodyPr>
           <a:p>
             <a:r>
-              <a:rPr lang="" altLang="zh-CN"/>
+              <a:rPr lang="en-US" altLang="zh-CN"/>
               <a:t>1 3 1</a:t>
             </a:r>
-            <a:endParaRPr lang="" altLang="zh-CN"/>
+            <a:endParaRPr lang="en-US" altLang="zh-CN"/>
           </a:p>
         </p:txBody>
       </p:sp>
@@ -14172,7 +14173,7 @@
           </a:bodyPr>
           <a:p>
             <a:r>
-              <a:rPr lang="" altLang="en-US"/>
+              <a:rPr lang="en-US" altLang="en-US"/>
               <a:t>3 4</a:t>
             </a:r>
             <a:r>
@@ -14205,7 +14206,7 @@
           </a:bodyPr>
           <a:p>
             <a:r>
-              <a:rPr lang="" altLang="en-US"/>
+              <a:rPr lang="en-US" altLang="en-US"/>
               <a:t>4 1</a:t>
             </a:r>
             <a:r>
@@ -17069,6 +17070,48 @@
 </p:sld>
 </file>
 
+<file path=ppt/slides/slide5.xml><?xml version="1.0" encoding="utf-8"?>
+<p:sld xmlns:a="http://schemas.openxmlformats.org/drawingml/2006/main" xmlns:r="http://schemas.openxmlformats.org/officeDocument/2006/relationships" xmlns:p="http://schemas.openxmlformats.org/presentationml/2006/main">
+  <p:cSld>
+    <p:spTree>
+      <p:nvGrpSpPr>
+        <p:cNvPr id="1" name=""/>
+        <p:cNvGrpSpPr/>
+        <p:nvPr/>
+      </p:nvGrpSpPr>
+      <p:grpSpPr/>
+      <p:pic>
+        <p:nvPicPr>
+          <p:cNvPr id="2" name="图片 1"/>
+          <p:cNvPicPr>
+            <a:picLocks noChangeAspect="1"/>
+          </p:cNvPicPr>
+          <p:nvPr/>
+        </p:nvPicPr>
+        <p:blipFill>
+          <a:blip r:embed="rId1"/>
+          <a:stretch>
+            <a:fillRect/>
+          </a:stretch>
+        </p:blipFill>
+        <p:spPr>
+          <a:xfrm>
+            <a:off x="68580" y="113030"/>
+            <a:ext cx="9432925" cy="5903595"/>
+          </a:xfrm>
+          <a:prstGeom prst="rect">
+            <a:avLst/>
+          </a:prstGeom>
+        </p:spPr>
+      </p:pic>
+    </p:spTree>
+  </p:cSld>
+  <p:clrMapOvr>
+    <a:masterClrMapping/>
+  </p:clrMapOvr>
+</p:sld>
+</file>
+
 <file path=ppt/theme/theme1.xml><?xml version="1.0" encoding="utf-8"?>
 <a:theme xmlns:a="http://schemas.openxmlformats.org/drawingml/2006/main" name="Office 主题​​">
   <a:themeElements>
